--- a/RAC_algorithm.pptx
+++ b/RAC_algorithm.pptx
@@ -199,7 +199,7 @@
           <a:p>
             <a:fld id="{07794BA7-0D21-4DC2-8E6A-644269F00EC4}" type="datetimeFigureOut">
               <a:rPr lang="zh-TW" altLang="en-US" smtClean="0"/>
-              <a:t>2014/12/18</a:t>
+              <a:t>2017/10/13</a:t>
             </a:fld>
             <a:endParaRPr lang="zh-TW" altLang="en-US"/>
           </a:p>
@@ -858,7 +858,7 @@
           <a:p>
             <a:fld id="{7C8DF817-F82A-4ED1-BD81-6081B90175D1}" type="datetimeFigureOut">
               <a:rPr lang="zh-TW" altLang="en-US" smtClean="0"/>
-              <a:t>2014/12/18</a:t>
+              <a:t>2017/10/13</a:t>
             </a:fld>
             <a:endParaRPr lang="zh-TW" altLang="en-US"/>
           </a:p>
@@ -1028,7 +1028,7 @@
           <a:p>
             <a:fld id="{7C8DF817-F82A-4ED1-BD81-6081B90175D1}" type="datetimeFigureOut">
               <a:rPr lang="zh-TW" altLang="en-US" smtClean="0"/>
-              <a:t>2014/12/18</a:t>
+              <a:t>2017/10/13</a:t>
             </a:fld>
             <a:endParaRPr lang="zh-TW" altLang="en-US"/>
           </a:p>
@@ -1208,7 +1208,7 @@
           <a:p>
             <a:fld id="{7C8DF817-F82A-4ED1-BD81-6081B90175D1}" type="datetimeFigureOut">
               <a:rPr lang="zh-TW" altLang="en-US" smtClean="0"/>
-              <a:t>2014/12/18</a:t>
+              <a:t>2017/10/13</a:t>
             </a:fld>
             <a:endParaRPr lang="zh-TW" altLang="en-US"/>
           </a:p>
@@ -3464,7 +3464,7 @@
               <a:pPr>
                 <a:defRPr/>
               </a:pPr>
-              <a:t>2014/12/18</a:t>
+              <a:t>2017/10/13</a:t>
             </a:fld>
             <a:endParaRPr lang="zh-TW" altLang="en-US"/>
           </a:p>
@@ -4658,7 +4658,7 @@
               <a:pPr>
                 <a:defRPr/>
               </a:pPr>
-              <a:t>2014/12/18</a:t>
+              <a:t>2017/10/13</a:t>
             </a:fld>
             <a:endParaRPr lang="zh-TW" altLang="en-US"/>
           </a:p>
@@ -5107,7 +5107,7 @@
               <a:pPr>
                 <a:defRPr/>
               </a:pPr>
-              <a:t>2014/12/18</a:t>
+              <a:t>2017/10/13</a:t>
             </a:fld>
             <a:endParaRPr lang="zh-TW" altLang="en-US"/>
           </a:p>
@@ -5252,7 +5252,7 @@
               <a:pPr>
                 <a:defRPr/>
               </a:pPr>
-              <a:t>2014/12/18</a:t>
+              <a:t>2017/10/13</a:t>
             </a:fld>
             <a:endParaRPr lang="zh-TW" altLang="en-US"/>
           </a:p>
@@ -5374,7 +5374,7 @@
               <a:pPr>
                 <a:defRPr/>
               </a:pPr>
-              <a:t>2014/12/18</a:t>
+              <a:t>2017/10/13</a:t>
             </a:fld>
             <a:endParaRPr lang="zh-TW" altLang="en-US"/>
           </a:p>
@@ -5678,7 +5678,7 @@
               <a:pPr>
                 <a:defRPr/>
               </a:pPr>
-              <a:t>2014/12/18</a:t>
+              <a:t>2017/10/13</a:t>
             </a:fld>
             <a:endParaRPr lang="zh-TW" altLang="en-US"/>
           </a:p>
@@ -5865,7 +5865,7 @@
           <a:p>
             <a:fld id="{7C8DF817-F82A-4ED1-BD81-6081B90175D1}" type="datetimeFigureOut">
               <a:rPr lang="zh-TW" altLang="en-US" smtClean="0"/>
-              <a:t>2014/12/18</a:t>
+              <a:t>2017/10/13</a:t>
             </a:fld>
             <a:endParaRPr lang="zh-TW" altLang="en-US"/>
           </a:p>
@@ -6131,7 +6131,7 @@
               <a:pPr>
                 <a:defRPr/>
               </a:pPr>
-              <a:t>2014/12/18</a:t>
+              <a:t>2017/10/13</a:t>
             </a:fld>
             <a:endParaRPr lang="zh-TW" altLang="en-US"/>
           </a:p>
@@ -6328,7 +6328,7 @@
               <a:pPr>
                 <a:defRPr/>
               </a:pPr>
-              <a:t>2014/12/18</a:t>
+              <a:t>2017/10/13</a:t>
             </a:fld>
             <a:endParaRPr lang="zh-TW" altLang="en-US"/>
           </a:p>
@@ -6535,7 +6535,7 @@
               <a:pPr>
                 <a:defRPr/>
               </a:pPr>
-              <a:t>2014/12/18</a:t>
+              <a:t>2017/10/13</a:t>
             </a:fld>
             <a:endParaRPr lang="zh-TW" altLang="en-US"/>
           </a:p>
@@ -6991,7 +6991,7 @@
           <a:p>
             <a:fld id="{7C8DF817-F82A-4ED1-BD81-6081B90175D1}" type="datetimeFigureOut">
               <a:rPr lang="zh-TW" altLang="en-US" smtClean="0"/>
-              <a:t>2014/12/18</a:t>
+              <a:t>2017/10/13</a:t>
             </a:fld>
             <a:endParaRPr lang="zh-TW" altLang="en-US"/>
           </a:p>
@@ -7223,7 +7223,7 @@
           <a:p>
             <a:fld id="{7C8DF817-F82A-4ED1-BD81-6081B90175D1}" type="datetimeFigureOut">
               <a:rPr lang="zh-TW" altLang="en-US" smtClean="0"/>
-              <a:t>2014/12/18</a:t>
+              <a:t>2017/10/13</a:t>
             </a:fld>
             <a:endParaRPr lang="zh-TW" altLang="en-US"/>
           </a:p>
@@ -7590,7 +7590,7 @@
           <a:p>
             <a:fld id="{7C8DF817-F82A-4ED1-BD81-6081B90175D1}" type="datetimeFigureOut">
               <a:rPr lang="zh-TW" altLang="en-US" smtClean="0"/>
-              <a:t>2014/12/18</a:t>
+              <a:t>2017/10/13</a:t>
             </a:fld>
             <a:endParaRPr lang="zh-TW" altLang="en-US"/>
           </a:p>
@@ -7708,7 +7708,7 @@
           <a:p>
             <a:fld id="{7C8DF817-F82A-4ED1-BD81-6081B90175D1}" type="datetimeFigureOut">
               <a:rPr lang="zh-TW" altLang="en-US" smtClean="0"/>
-              <a:t>2014/12/18</a:t>
+              <a:t>2017/10/13</a:t>
             </a:fld>
             <a:endParaRPr lang="zh-TW" altLang="en-US"/>
           </a:p>
@@ -7803,7 +7803,7 @@
           <a:p>
             <a:fld id="{7C8DF817-F82A-4ED1-BD81-6081B90175D1}" type="datetimeFigureOut">
               <a:rPr lang="zh-TW" altLang="en-US" smtClean="0"/>
-              <a:t>2014/12/18</a:t>
+              <a:t>2017/10/13</a:t>
             </a:fld>
             <a:endParaRPr lang="zh-TW" altLang="en-US"/>
           </a:p>
@@ -8080,7 +8080,7 @@
           <a:p>
             <a:fld id="{7C8DF817-F82A-4ED1-BD81-6081B90175D1}" type="datetimeFigureOut">
               <a:rPr lang="zh-TW" altLang="en-US" smtClean="0"/>
-              <a:t>2014/12/18</a:t>
+              <a:t>2017/10/13</a:t>
             </a:fld>
             <a:endParaRPr lang="zh-TW" altLang="en-US"/>
           </a:p>
@@ -8333,7 +8333,7 @@
           <a:p>
             <a:fld id="{7C8DF817-F82A-4ED1-BD81-6081B90175D1}" type="datetimeFigureOut">
               <a:rPr lang="zh-TW" altLang="en-US" smtClean="0"/>
-              <a:t>2014/12/18</a:t>
+              <a:t>2017/10/13</a:t>
             </a:fld>
             <a:endParaRPr lang="zh-TW" altLang="en-US"/>
           </a:p>
@@ -8546,7 +8546,7 @@
           <a:p>
             <a:fld id="{7C8DF817-F82A-4ED1-BD81-6081B90175D1}" type="datetimeFigureOut">
               <a:rPr lang="zh-TW" altLang="en-US" smtClean="0"/>
-              <a:t>2014/12/18</a:t>
+              <a:t>2017/10/13</a:t>
             </a:fld>
             <a:endParaRPr lang="zh-TW" altLang="en-US"/>
           </a:p>
@@ -9158,7 +9158,7 @@
                 </a:spcAft>
                 <a:defRPr/>
               </a:pPr>
-              <a:t>2014/12/18</a:t>
+              <a:t>2017/10/13</a:t>
             </a:fld>
             <a:endParaRPr kumimoji="1" lang="zh-TW" altLang="en-US"/>
           </a:p>
@@ -9789,7 +9789,7 @@
           <a:p>
             <a:r>
               <a:rPr lang="en-US" altLang="zh-TW" smtClean="0"/>
-              <a:t>RRM</a:t>
+              <a:t>RRC</a:t>
             </a:r>
             <a:endParaRPr lang="zh-TW" altLang="en-US" dirty="0" smtClean="0"/>
           </a:p>
